--- a/lessons/Presentation-1-1-3-Set-Theory-Conclusion.pptx
+++ b/lessons/Presentation-1-1-3-Set-Theory-Conclusion.pptx
@@ -118,7 +118,6 @@
       </a:defRPr>
     </a:lvl9pPr>
   </p:defaultTextStyle>
-  <p:modifyVerifier cryptProviderType="rsaAES" cryptAlgorithmClass="hash" cryptAlgorithmType="typeAny" cryptAlgorithmSid="14" spinCount="100000" saltData="TO5Lrs+JqeB8dYrmVD4SkQ==" hashData="IPI30M77F0sOcG84L8lvxVl/wPYaw5obRAjmzSxq0+yi81KziRShVGqlXXGcphUj15f/PZIqf/LEcFtz6DLzqQ=="/>
   <p:extLst>
     <p:ext uri="{EFAFB233-063F-42B5-8137-9DF3F51BA10A}">
       <p15:sldGuideLst xmlns:p15="http://schemas.microsoft.com/office/powerpoint/2012/main"/>
@@ -217,7 +216,7 @@
           <a:p>
             <a:fld id="{9418EEB3-6E95-4294-BCBD-343443EE35B9}" type="datetimeFigureOut">
               <a:rPr lang="en-US" smtClean="0"/>
-              <a:t>2/23/2020</a:t>
+              <a:t>2/29/2020</a:t>
             </a:fld>
             <a:endParaRPr lang="en-US"/>
           </a:p>
@@ -1596,7 +1595,7 @@
           <a:p>
             <a:fld id="{0C9689CF-E79D-4FEA-8277-EA494B923678}" type="datetime1">
               <a:rPr lang="en-US" smtClean="0"/>
-              <a:t>2/23/2020</a:t>
+              <a:t>2/29/2020</a:t>
             </a:fld>
             <a:endParaRPr lang="en-US"/>
           </a:p>
@@ -1894,7 +1893,7 @@
           <a:p>
             <a:fld id="{4980308A-8D0B-4730-A9AE-314E1283E82C}" type="datetime1">
               <a:rPr lang="en-US" smtClean="0"/>
-              <a:t>2/23/2020</a:t>
+              <a:t>2/29/2020</a:t>
             </a:fld>
             <a:endParaRPr lang="en-US"/>
           </a:p>
@@ -2086,7 +2085,7 @@
           <a:p>
             <a:fld id="{787D9E04-7AC5-4434-8321-CE257B4889BD}" type="datetime1">
               <a:rPr lang="en-US" smtClean="0"/>
-              <a:t>2/23/2020</a:t>
+              <a:t>2/29/2020</a:t>
             </a:fld>
             <a:endParaRPr lang="en-US"/>
           </a:p>
@@ -2347,7 +2346,7 @@
           <a:p>
             <a:fld id="{7A0594F6-7D59-4ECB-AE90-83FF17BE8788}" type="datetime1">
               <a:rPr lang="en-US" smtClean="0"/>
-              <a:t>2/23/2020</a:t>
+              <a:t>2/29/2020</a:t>
             </a:fld>
             <a:endParaRPr lang="en-US"/>
           </a:p>
@@ -2771,7 +2770,7 @@
           <a:p>
             <a:fld id="{043D2C85-E7B6-425F-B102-391CB84D5359}" type="datetime1">
               <a:rPr lang="en-US" smtClean="0"/>
-              <a:t>2/23/2020</a:t>
+              <a:t>2/29/2020</a:t>
             </a:fld>
             <a:endParaRPr lang="en-US"/>
           </a:p>
@@ -3308,7 +3307,7 @@
           <a:p>
             <a:fld id="{9F462990-0A48-4BDE-BDB6-C46256C8DF69}" type="datetime1">
               <a:rPr lang="en-US" smtClean="0"/>
-              <a:t>2/23/2020</a:t>
+              <a:t>2/29/2020</a:t>
             </a:fld>
             <a:endParaRPr lang="en-US"/>
           </a:p>
@@ -4172,7 +4171,7 @@
           <a:p>
             <a:fld id="{5851910C-54C1-4DF0-9DC0-D2ED2270E88F}" type="datetime1">
               <a:rPr lang="en-US" smtClean="0"/>
-              <a:t>2/23/2020</a:t>
+              <a:t>2/29/2020</a:t>
             </a:fld>
             <a:endParaRPr lang="en-US"/>
           </a:p>
@@ -4342,7 +4341,7 @@
           <a:p>
             <a:fld id="{FCA0AA6E-CAAA-4FA9-88FA-050E92C1A26F}" type="datetime1">
               <a:rPr lang="en-US" smtClean="0"/>
-              <a:t>2/23/2020</a:t>
+              <a:t>2/29/2020</a:t>
             </a:fld>
             <a:endParaRPr lang="en-US"/>
           </a:p>
@@ -4526,7 +4525,7 @@
           <a:p>
             <a:fld id="{526CFCAA-E841-47D5-AC86-078ACF75D7B8}" type="datetime1">
               <a:rPr lang="en-US" smtClean="0"/>
-              <a:t>2/23/2020</a:t>
+              <a:t>2/29/2020</a:t>
             </a:fld>
             <a:endParaRPr lang="en-US"/>
           </a:p>
@@ -4696,7 +4695,7 @@
           <a:p>
             <a:fld id="{2230F8B0-8B3B-4AD5-BBC9-69394BFD8D0F}" type="datetime1">
               <a:rPr lang="en-US" smtClean="0"/>
-              <a:t>2/23/2020</a:t>
+              <a:t>2/29/2020</a:t>
             </a:fld>
             <a:endParaRPr lang="en-US"/>
           </a:p>
@@ -4940,7 +4939,7 @@
           <a:p>
             <a:fld id="{33EFF0FA-0466-48A9-9B53-D1454F62FACD}" type="datetime1">
               <a:rPr lang="en-US" smtClean="0"/>
-              <a:t>2/23/2020</a:t>
+              <a:t>2/29/2020</a:t>
             </a:fld>
             <a:endParaRPr lang="en-US"/>
           </a:p>
@@ -5176,7 +5175,7 @@
           <a:p>
             <a:fld id="{6286C6EC-2EC1-4407-99F2-881D13CF254E}" type="datetime1">
               <a:rPr lang="en-US" smtClean="0"/>
-              <a:t>2/23/2020</a:t>
+              <a:t>2/29/2020</a:t>
             </a:fld>
             <a:endParaRPr lang="en-US"/>
           </a:p>
@@ -5642,7 +5641,7 @@
           <a:p>
             <a:fld id="{CEBD31EB-46C3-40DB-B6C7-3E48DA93B667}" type="datetime1">
               <a:rPr lang="en-US" smtClean="0"/>
-              <a:t>2/23/2020</a:t>
+              <a:t>2/29/2020</a:t>
             </a:fld>
             <a:endParaRPr lang="en-US"/>
           </a:p>
@@ -5760,7 +5759,7 @@
           <a:p>
             <a:fld id="{E4DE2D18-4058-4A14-84F4-06B29160F060}" type="datetime1">
               <a:rPr lang="en-US" smtClean="0"/>
-              <a:t>2/23/2020</a:t>
+              <a:t>2/29/2020</a:t>
             </a:fld>
             <a:endParaRPr lang="en-US"/>
           </a:p>
@@ -5855,7 +5854,7 @@
           <a:p>
             <a:fld id="{5EB55BBE-F2FE-4221-8FE1-487BBD59A10C}" type="datetime1">
               <a:rPr lang="en-US" smtClean="0"/>
-              <a:t>2/23/2020</a:t>
+              <a:t>2/29/2020</a:t>
             </a:fld>
             <a:endParaRPr lang="en-US"/>
           </a:p>
@@ -6110,7 +6109,7 @@
           <a:p>
             <a:fld id="{962A277F-8B1C-4402-8B28-D71FF02B5DDC}" type="datetime1">
               <a:rPr lang="en-US" smtClean="0"/>
-              <a:t>2/23/2020</a:t>
+              <a:t>2/29/2020</a:t>
             </a:fld>
             <a:endParaRPr lang="en-US"/>
           </a:p>
@@ -6410,7 +6409,7 @@
           <a:p>
             <a:fld id="{5D20796F-4715-4321-A2DE-1B3DFD58B1A0}" type="datetime1">
               <a:rPr lang="en-US" smtClean="0"/>
-              <a:t>2/23/2020</a:t>
+              <a:t>2/29/2020</a:t>
             </a:fld>
             <a:endParaRPr lang="en-US"/>
           </a:p>
@@ -6696,7 +6695,7 @@
           <a:p>
             <a:fld id="{77F6DB67-55B6-4D23-ACD6-560515A08463}" type="datetime1">
               <a:rPr lang="en-US" smtClean="0"/>
-              <a:t>2/23/2020</a:t>
+              <a:t>2/29/2020</a:t>
             </a:fld>
             <a:endParaRPr lang="en-US"/>
           </a:p>
@@ -19780,8 +19779,8 @@
             <a:chExt cx="7351883" cy="2272474"/>
           </a:xfrm>
         </p:grpSpPr>
-        <mc:AlternateContent xmlns:mc="http://schemas.openxmlformats.org/markup-compatibility/2006">
-          <mc:Choice xmlns:a14="http://schemas.microsoft.com/office/drawing/2010/main" Requires="a14">
+        <mc:AlternateContent xmlns:mc="http://schemas.openxmlformats.org/markup-compatibility/2006" xmlns:a14="http://schemas.microsoft.com/office/drawing/2010/main">
+          <mc:Choice Requires="a14">
             <p:sp>
               <p:nvSpPr>
                 <p:cNvPr id="4" name="TextBox 3">
@@ -19894,7 +19893,7 @@
               </p:txBody>
             </p:sp>
           </mc:Choice>
-          <mc:Fallback>
+          <mc:Fallback xmlns="">
             <p:sp>
               <p:nvSpPr>
                 <p:cNvPr id="4" name="TextBox 3">
@@ -19939,8 +19938,8 @@
             </p:sp>
           </mc:Fallback>
         </mc:AlternateContent>
-        <mc:AlternateContent xmlns:mc="http://schemas.openxmlformats.org/markup-compatibility/2006">
-          <mc:Choice xmlns:a14="http://schemas.microsoft.com/office/drawing/2010/main" Requires="a14">
+        <mc:AlternateContent xmlns:mc="http://schemas.openxmlformats.org/markup-compatibility/2006" xmlns:a14="http://schemas.microsoft.com/office/drawing/2010/main">
+          <mc:Choice Requires="a14">
             <p:sp>
               <p:nvSpPr>
                 <p:cNvPr id="16" name="TextBox 15">
@@ -20053,7 +20052,7 @@
               </p:txBody>
             </p:sp>
           </mc:Choice>
-          <mc:Fallback>
+          <mc:Fallback xmlns="">
             <p:sp>
               <p:nvSpPr>
                 <p:cNvPr id="16" name="TextBox 15">
